--- a/make_presentation/templates/templates/flow/_8.pptx
+++ b/make_presentation/templates/templates/flow/_8.pptx
@@ -8,13 +8,13 @@
     <p:notesMasterId r:id="rId10"/>
   </p:notesMasterIdLst>
   <p:sldIdLst>
-    <p:sldId id="263" r:id="rId2"/>
+    <p:sldId id="279" r:id="rId2"/>
     <p:sldId id="264" r:id="rId3"/>
     <p:sldId id="258" r:id="rId4"/>
     <p:sldId id="265" r:id="rId5"/>
     <p:sldId id="273" r:id="rId6"/>
     <p:sldId id="267" r:id="rId7"/>
-    <p:sldId id="274" r:id="rId8"/>
+    <p:sldId id="280" r:id="rId8"/>
     <p:sldId id="278" r:id="rId9"/>
   </p:sldIdLst>
   <p:sldSz cx="9144000" cy="5143500" type="screen16x9"/>
@@ -204,7 +204,7 @@
           <a:p>
             <a:fld id="{EE3B10C3-A7B0-491D-A9C6-63E5AE6B014B}" type="datetimeFigureOut">
               <a:rPr lang="ru-RU" smtClean="0"/>
-              <a:t>01.10.2024</a:t>
+              <a:t>03.10.2024</a:t>
             </a:fld>
             <a:endParaRPr lang="ru-RU"/>
           </a:p>
@@ -770,7 +770,7 @@
           <a:p>
             <a:fld id="{C764DE79-268F-4C1A-8933-263129D2AF90}" type="datetimeFigureOut">
               <a:rPr lang="en-US" dirty="0"/>
-              <a:t>10/1/2024</a:t>
+              <a:t>10/3/2024</a:t>
             </a:fld>
             <a:endParaRPr lang="en-US" dirty="0"/>
           </a:p>
@@ -940,7 +940,7 @@
           <a:p>
             <a:fld id="{C764DE79-268F-4C1A-8933-263129D2AF90}" type="datetimeFigureOut">
               <a:rPr lang="en-US" dirty="0"/>
-              <a:t>10/1/2024</a:t>
+              <a:t>10/3/2024</a:t>
             </a:fld>
             <a:endParaRPr lang="en-US" dirty="0"/>
           </a:p>
@@ -1120,7 +1120,7 @@
           <a:p>
             <a:fld id="{C764DE79-268F-4C1A-8933-263129D2AF90}" type="datetimeFigureOut">
               <a:rPr lang="en-US" dirty="0"/>
-              <a:t>10/1/2024</a:t>
+              <a:t>10/3/2024</a:t>
             </a:fld>
             <a:endParaRPr lang="en-US" dirty="0"/>
           </a:p>
@@ -1290,7 +1290,7 @@
           <a:p>
             <a:fld id="{C764DE79-268F-4C1A-8933-263129D2AF90}" type="datetimeFigureOut">
               <a:rPr lang="en-US" dirty="0"/>
-              <a:t>10/1/2024</a:t>
+              <a:t>10/3/2024</a:t>
             </a:fld>
             <a:endParaRPr lang="en-US" dirty="0"/>
           </a:p>
@@ -1536,7 +1536,7 @@
           <a:p>
             <a:fld id="{C764DE79-268F-4C1A-8933-263129D2AF90}" type="datetimeFigureOut">
               <a:rPr lang="en-US" dirty="0"/>
-              <a:t>10/1/2024</a:t>
+              <a:t>10/3/2024</a:t>
             </a:fld>
             <a:endParaRPr lang="en-US" dirty="0"/>
           </a:p>
@@ -1768,7 +1768,7 @@
           <a:p>
             <a:fld id="{C764DE79-268F-4C1A-8933-263129D2AF90}" type="datetimeFigureOut">
               <a:rPr lang="en-US" dirty="0"/>
-              <a:t>10/1/2024</a:t>
+              <a:t>10/3/2024</a:t>
             </a:fld>
             <a:endParaRPr lang="en-US" dirty="0"/>
           </a:p>
@@ -2135,7 +2135,7 @@
           <a:p>
             <a:fld id="{C764DE79-268F-4C1A-8933-263129D2AF90}" type="datetimeFigureOut">
               <a:rPr lang="en-US" dirty="0"/>
-              <a:t>10/1/2024</a:t>
+              <a:t>10/3/2024</a:t>
             </a:fld>
             <a:endParaRPr lang="en-US" dirty="0"/>
           </a:p>
@@ -2253,7 +2253,7 @@
           <a:p>
             <a:fld id="{C764DE79-268F-4C1A-8933-263129D2AF90}" type="datetimeFigureOut">
               <a:rPr lang="en-US" dirty="0"/>
-              <a:t>10/1/2024</a:t>
+              <a:t>10/3/2024</a:t>
             </a:fld>
             <a:endParaRPr lang="en-US" dirty="0"/>
           </a:p>
@@ -2348,7 +2348,7 @@
           <a:p>
             <a:fld id="{C764DE79-268F-4C1A-8933-263129D2AF90}" type="datetimeFigureOut">
               <a:rPr lang="en-US" dirty="0"/>
-              <a:t>10/1/2024</a:t>
+              <a:t>10/3/2024</a:t>
             </a:fld>
             <a:endParaRPr lang="en-US" dirty="0"/>
           </a:p>
@@ -2625,7 +2625,7 @@
           <a:p>
             <a:fld id="{C764DE79-268F-4C1A-8933-263129D2AF90}" type="datetimeFigureOut">
               <a:rPr lang="en-US" dirty="0"/>
-              <a:t>10/1/2024</a:t>
+              <a:t>10/3/2024</a:t>
             </a:fld>
             <a:endParaRPr lang="en-US" dirty="0"/>
           </a:p>
@@ -2882,7 +2882,7 @@
           <a:p>
             <a:fld id="{C764DE79-268F-4C1A-8933-263129D2AF90}" type="datetimeFigureOut">
               <a:rPr lang="en-US" dirty="0"/>
-              <a:t>10/1/2024</a:t>
+              <a:t>10/3/2024</a:t>
             </a:fld>
             <a:endParaRPr lang="en-US" dirty="0"/>
           </a:p>
@@ -3100,7 +3100,7 @@
           <a:p>
             <a:fld id="{C764DE79-268F-4C1A-8933-263129D2AF90}" type="datetimeFigureOut">
               <a:rPr lang="en-US" dirty="0"/>
-              <a:t>10/1/2024</a:t>
+              <a:t>10/3/2024</a:t>
             </a:fld>
             <a:endParaRPr lang="en-US" dirty="0"/>
           </a:p>
@@ -3493,15 +3493,9 @@
   <p:cSld>
     <p:bg>
       <p:bgPr>
-        <a:blipFill dpi="0" rotWithShape="1">
-          <a:blip r:embed="rId2">
-            <a:lum/>
-          </a:blip>
-          <a:srcRect/>
-          <a:stretch>
-            <a:fillRect/>
-          </a:stretch>
-        </a:blipFill>
+        <a:solidFill>
+          <a:srgbClr val="A0A585"/>
+        </a:solidFill>
         <a:effectLst/>
       </p:bgPr>
     </p:bg>
@@ -3542,9 +3536,7 @@
             </a:avLst>
           </a:prstGeom>
           <a:solidFill>
-            <a:schemeClr val="bg1">
-              <a:lumMod val="85000"/>
-            </a:schemeClr>
+            <a:schemeClr val="tx1"/>
           </a:solidFill>
           <a:ln>
             <a:noFill/>
@@ -3576,16 +3568,6 @@
               </a:lnSpc>
               <a:buNone/>
             </a:pPr>
-            <a:r>
-              <a:rPr lang="en-US" sz="1800" b="0" strike="noStrike" spc="-1" dirty="0">
-                <a:solidFill>
-                  <a:srgbClr val="000000"/>
-                </a:solidFill>
-                <a:latin typeface="Calibri"/>
-                <a:ea typeface="DejaVu Sans"/>
-              </a:rPr>
-              <a:t>PIC</a:t>
-            </a:r>
             <a:endParaRPr lang="en-US" sz="1800" b="0" strike="noStrike" spc="-1" dirty="0">
               <a:latin typeface="Arial"/>
             </a:endParaRPr>
@@ -3594,10 +3576,10 @@
       </p:sp>
       <p:sp>
         <p:nvSpPr>
-          <p:cNvPr id="12" name="Прямоугольник со скругленными углами 3">
+          <p:cNvPr id="10" name="Прямоугольник 10">
             <a:extLst>
               <a:ext uri="{FF2B5EF4-FFF2-40B4-BE49-F238E27FC236}">
-                <a16:creationId xmlns:a16="http://schemas.microsoft.com/office/drawing/2014/main" id="{37D9A3FD-E039-4841-AD8B-AC770735E759}"/>
+                <a16:creationId xmlns:a16="http://schemas.microsoft.com/office/drawing/2014/main" id="{B344D9FF-4E57-4DF4-BABE-EB1E769B2CA7}"/>
               </a:ext>
             </a:extLst>
           </p:cNvPr>
@@ -3606,34 +3588,26 @@
         </p:nvSpPr>
         <p:spPr>
           <a:xfrm>
-            <a:off x="186690" y="185301"/>
-            <a:ext cx="8770620" cy="4758610"/>
-          </a:xfrm>
-          <a:prstGeom prst="roundRect">
-            <a:avLst>
-              <a:gd name="adj" fmla="val 4051"/>
-            </a:avLst>
+            <a:off x="460151" y="658030"/>
+            <a:ext cx="8469537" cy="3307153"/>
+          </a:xfrm>
+          <a:prstGeom prst="rect">
+            <a:avLst/>
           </a:prstGeom>
-          <a:solidFill>
-            <a:srgbClr val="000000">
-              <a:alpha val="34902"/>
-            </a:srgbClr>
-          </a:solidFill>
-          <a:ln>
+          <a:noFill/>
+          <a:ln w="0">
             <a:noFill/>
           </a:ln>
         </p:spPr>
         <p:style>
-          <a:lnRef idx="2">
-            <a:schemeClr val="accent1">
-              <a:shade val="50000"/>
-            </a:schemeClr>
+          <a:lnRef idx="0">
+            <a:scrgbClr r="0" g="0" b="0"/>
           </a:lnRef>
-          <a:fillRef idx="1">
-            <a:schemeClr val="accent1"/>
+          <a:fillRef idx="0">
+            <a:scrgbClr r="0" g="0" b="0"/>
           </a:fillRef>
           <a:effectRef idx="0">
-            <a:schemeClr val="accent1"/>
+            <a:scrgbClr r="0" g="0" b="0"/>
           </a:effectRef>
           <a:fontRef idx="minor"/>
         </p:style>
@@ -3643,14 +3617,26 @@
           </a:bodyPr>
           <a:lstStyle/>
           <a:p>
-            <a:pPr algn="ctr">
+            <a:pPr>
               <a:lnSpc>
-                <a:spcPct val="100000"/>
+                <a:spcPts val="7000"/>
               </a:lnSpc>
               <a:buNone/>
             </a:pPr>
-            <a:endParaRPr lang="en-US" sz="1800" b="0" strike="noStrike" spc="-1" dirty="0">
-              <a:latin typeface="Arial"/>
+            <a:r>
+              <a:rPr lang="en-US" sz="5400" spc="-1" dirty="0">
+                <a:solidFill>
+                  <a:srgbClr val="FFFFFF"/>
+                </a:solidFill>
+                <a:latin typeface="Arial" panose="020B0604020202020204" pitchFamily="34" charset="0"/>
+                <a:ea typeface="DejaVu Sans"/>
+                <a:cs typeface="Arial" panose="020B0604020202020204" pitchFamily="34" charset="0"/>
+              </a:rPr>
+              <a:t>TITLE</a:t>
+            </a:r>
+            <a:endParaRPr lang="en-US" sz="5400" strike="noStrike" spc="-1" dirty="0">
+              <a:latin typeface="Arial" panose="020B0604020202020204" pitchFamily="34" charset="0"/>
+              <a:cs typeface="Arial" panose="020B0604020202020204" pitchFamily="34" charset="0"/>
             </a:endParaRPr>
           </a:p>
         </p:txBody>
@@ -3660,7 +3646,7 @@
           <p:cNvPr id="9" name="Прямоугольник 5">
             <a:extLst>
               <a:ext uri="{FF2B5EF4-FFF2-40B4-BE49-F238E27FC236}">
-                <a16:creationId xmlns:a16="http://schemas.microsoft.com/office/drawing/2014/main" id="{C7BF634F-01CF-44F1-A622-4D75EB569C2B}"/>
+                <a16:creationId xmlns:a16="http://schemas.microsoft.com/office/drawing/2014/main" id="{AADE1553-B55B-4B19-934A-A96E25126C3C}"/>
               </a:ext>
             </a:extLst>
           </p:cNvPr>
@@ -3671,7 +3657,7 @@
         </p:nvSpPr>
         <p:spPr>
           <a:xfrm>
-            <a:off x="460151" y="4588590"/>
+            <a:off x="460151" y="4595734"/>
             <a:ext cx="2999374" cy="270030"/>
           </a:xfrm>
           <a:prstGeom prst="rect">
@@ -3725,10 +3711,10 @@
       </p:sp>
       <p:pic>
         <p:nvPicPr>
-          <p:cNvPr id="6" name="Рисунок 5">
+          <p:cNvPr id="12" name="Рисунок 11">
             <a:extLst>
               <a:ext uri="{FF2B5EF4-FFF2-40B4-BE49-F238E27FC236}">
-                <a16:creationId xmlns:a16="http://schemas.microsoft.com/office/drawing/2014/main" id="{B9DE915D-CE18-4AE1-80C7-A3F161B8808B}"/>
+                <a16:creationId xmlns:a16="http://schemas.microsoft.com/office/drawing/2014/main" id="{3EE06FEA-8EF8-473F-8ADE-364D5FADA88C}"/>
               </a:ext>
             </a:extLst>
           </p:cNvPr>
@@ -3738,7 +3724,7 @@
           <p:nvPr/>
         </p:nvPicPr>
         <p:blipFill>
-          <a:blip r:embed="rId3">
+          <a:blip r:embed="rId2">
             <a:extLst>
               <a:ext uri="{28A0092B-C50C-407E-A947-70E740481C1C}">
                 <a14:useLocalDpi xmlns:a14="http://schemas.microsoft.com/office/drawing/2010/main" val="0"/>
@@ -3751,7 +3737,7 @@
         </p:blipFill>
         <p:spPr>
           <a:xfrm>
-            <a:off x="2423227" y="4589278"/>
+            <a:off x="2423227" y="4596422"/>
             <a:ext cx="291491" cy="291491"/>
           </a:xfrm>
           <a:prstGeom prst="rect">
@@ -3761,77 +3747,10 @@
       </p:pic>
       <p:sp>
         <p:nvSpPr>
-          <p:cNvPr id="10" name="Прямоугольник 10">
+          <p:cNvPr id="15" name="Прямоугольник 5">
             <a:extLst>
               <a:ext uri="{FF2B5EF4-FFF2-40B4-BE49-F238E27FC236}">
-                <a16:creationId xmlns:a16="http://schemas.microsoft.com/office/drawing/2014/main" id="{B344D9FF-4E57-4DF4-BABE-EB1E769B2CA7}"/>
-              </a:ext>
-            </a:extLst>
-          </p:cNvPr>
-          <p:cNvSpPr/>
-          <p:nvPr/>
-        </p:nvSpPr>
-        <p:spPr>
-          <a:xfrm>
-            <a:off x="460151" y="658030"/>
-            <a:ext cx="8469537" cy="3307153"/>
-          </a:xfrm>
-          <a:prstGeom prst="rect">
-            <a:avLst/>
-          </a:prstGeom>
-          <a:noFill/>
-          <a:ln w="0">
-            <a:noFill/>
-          </a:ln>
-        </p:spPr>
-        <p:style>
-          <a:lnRef idx="0">
-            <a:scrgbClr r="0" g="0" b="0"/>
-          </a:lnRef>
-          <a:fillRef idx="0">
-            <a:scrgbClr r="0" g="0" b="0"/>
-          </a:fillRef>
-          <a:effectRef idx="0">
-            <a:scrgbClr r="0" g="0" b="0"/>
-          </a:effectRef>
-          <a:fontRef idx="minor"/>
-        </p:style>
-        <p:txBody>
-          <a:bodyPr lIns="90000" tIns="45000" rIns="90000" bIns="45000" anchor="ctr">
-            <a:noAutofit/>
-          </a:bodyPr>
-          <a:lstStyle/>
-          <a:p>
-            <a:pPr>
-              <a:lnSpc>
-                <a:spcPts val="7000"/>
-              </a:lnSpc>
-              <a:buNone/>
-            </a:pPr>
-            <a:r>
-              <a:rPr lang="en-US" sz="5400" spc="-1" dirty="0">
-                <a:solidFill>
-                  <a:srgbClr val="FFFFFF"/>
-                </a:solidFill>
-                <a:latin typeface="Arial" panose="020B0604020202020204" pitchFamily="34" charset="0"/>
-                <a:ea typeface="DejaVu Sans"/>
-                <a:cs typeface="Arial" panose="020B0604020202020204" pitchFamily="34" charset="0"/>
-              </a:rPr>
-              <a:t>TITLE</a:t>
-            </a:r>
-            <a:endParaRPr lang="en-US" sz="5400" strike="noStrike" spc="-1" dirty="0">
-              <a:latin typeface="Arial" panose="020B0604020202020204" pitchFamily="34" charset="0"/>
-              <a:cs typeface="Arial" panose="020B0604020202020204" pitchFamily="34" charset="0"/>
-            </a:endParaRPr>
-          </a:p>
-        </p:txBody>
-      </p:sp>
-      <p:sp>
-        <p:nvSpPr>
-          <p:cNvPr id="5" name="Прямоугольник 5">
-            <a:extLst>
-              <a:ext uri="{FF2B5EF4-FFF2-40B4-BE49-F238E27FC236}">
-                <a16:creationId xmlns:a16="http://schemas.microsoft.com/office/drawing/2014/main" id="{1B39D161-696F-4E15-BB81-EDC3DFF4015B}"/>
+                <a16:creationId xmlns:a16="http://schemas.microsoft.com/office/drawing/2014/main" id="{06A005B8-DF65-4B73-8E31-DC69B8EB0F73}"/>
               </a:ext>
             </a:extLst>
           </p:cNvPr>
@@ -3842,7 +3761,7 @@
         </p:nvSpPr>
         <p:spPr>
           <a:xfrm>
-            <a:off x="460151" y="351879"/>
+            <a:off x="460151" y="359023"/>
             <a:ext cx="2999374" cy="270030"/>
           </a:xfrm>
           <a:prstGeom prst="rect">
@@ -3886,7 +3805,7 @@
     </p:spTree>
     <p:extLst>
       <p:ext uri="{BB962C8B-B14F-4D97-AF65-F5344CB8AC3E}">
-        <p14:creationId xmlns:p14="http://schemas.microsoft.com/office/powerpoint/2010/main" val="1235132550"/>
+        <p14:creationId xmlns:p14="http://schemas.microsoft.com/office/powerpoint/2010/main" val="867889840"/>
       </p:ext>
     </p:extLst>
   </p:cSld>
@@ -3926,66 +3845,6 @@
       </p:grpSpPr>
       <p:sp>
         <p:nvSpPr>
-          <p:cNvPr id="7" name="TextBox 6">
-            <a:extLst>
-              <a:ext uri="{FF2B5EF4-FFF2-40B4-BE49-F238E27FC236}">
-                <a16:creationId xmlns:a16="http://schemas.microsoft.com/office/drawing/2014/main" id="{8167D7AF-1912-4030-BF52-4A523E802088}"/>
-              </a:ext>
-            </a:extLst>
-          </p:cNvPr>
-          <p:cNvSpPr txBox="1"/>
-          <p:nvPr/>
-        </p:nvSpPr>
-        <p:spPr>
-          <a:xfrm>
-            <a:off x="384927" y="233218"/>
-            <a:ext cx="2986923" cy="1893299"/>
-          </a:xfrm>
-          <a:prstGeom prst="rect">
-            <a:avLst/>
-          </a:prstGeom>
-          <a:noFill/>
-          <a:ln w="0">
-            <a:noFill/>
-          </a:ln>
-        </p:spPr>
-        <p:txBody>
-          <a:bodyPr lIns="90000" tIns="45000" rIns="90000" bIns="45000" anchor="t">
-            <a:noAutofit/>
-          </a:bodyPr>
-          <a:lstStyle/>
-          <a:p>
-            <a:r>
-              <a:rPr lang="en-US" sz="2800" b="1" strike="noStrike" spc="-1" dirty="0">
-                <a:solidFill>
-                  <a:schemeClr val="bg1"/>
-                </a:solidFill>
-                <a:latin typeface="Arial" panose="020B0604020202020204" pitchFamily="34" charset="0"/>
-                <a:cs typeface="Arial" panose="020B0604020202020204" pitchFamily="34" charset="0"/>
-              </a:rPr>
-              <a:t>TITLE</a:t>
-            </a:r>
-            <a:endParaRPr lang="ru-RU" sz="2800" b="1" strike="noStrike" spc="-1" dirty="0">
-              <a:solidFill>
-                <a:schemeClr val="bg1"/>
-              </a:solidFill>
-              <a:latin typeface="Arial" panose="020B0604020202020204" pitchFamily="34" charset="0"/>
-              <a:cs typeface="Arial" panose="020B0604020202020204" pitchFamily="34" charset="0"/>
-            </a:endParaRPr>
-          </a:p>
-          <a:p>
-            <a:endParaRPr lang="ru-RU" sz="2800" b="1" strike="noStrike" spc="-1" dirty="0">
-              <a:solidFill>
-                <a:schemeClr val="bg1"/>
-              </a:solidFill>
-              <a:latin typeface="Arial Black" panose="020B0A04020102020204" pitchFamily="34" charset="0"/>
-              <a:cs typeface="Arial" panose="020B0604020202020204" pitchFamily="34" charset="0"/>
-            </a:endParaRPr>
-          </a:p>
-        </p:txBody>
-      </p:sp>
-      <p:sp>
-        <p:nvSpPr>
           <p:cNvPr id="11" name="Прямоугольник со скругленными углами 3">
             <a:extLst>
               <a:ext uri="{FF2B5EF4-FFF2-40B4-BE49-F238E27FC236}">
@@ -4007,9 +3866,7 @@
             </a:avLst>
           </a:prstGeom>
           <a:solidFill>
-            <a:schemeClr val="bg1">
-              <a:lumMod val="85000"/>
-            </a:schemeClr>
+            <a:srgbClr val="A0A585"/>
           </a:solidFill>
           <a:ln>
             <a:noFill/>
@@ -4071,8 +3928,8 @@
         </p:nvSpPr>
         <p:spPr>
           <a:xfrm>
-            <a:off x="3984786" y="492919"/>
-            <a:ext cx="4676096" cy="4157662"/>
+            <a:off x="3721894" y="257176"/>
+            <a:ext cx="5186362" cy="4650580"/>
           </a:xfrm>
           <a:prstGeom prst="roundRect">
             <a:avLst>
@@ -4110,7 +3967,7 @@
           <a:lstStyle/>
           <a:p>
             <a:pPr algn="ctr"/>
-            <a:endParaRPr lang="ru-RU"/>
+            <a:endParaRPr lang="ru-RU" dirty="0"/>
           </a:p>
         </p:txBody>
       </p:sp>
@@ -4128,7 +3985,7 @@
         </p:nvSpPr>
         <p:spPr>
           <a:xfrm>
-            <a:off x="4331832" y="802496"/>
+            <a:off x="4121944" y="631046"/>
             <a:ext cx="900112" cy="900112"/>
           </a:xfrm>
           <a:prstGeom prst="ellipse">
@@ -4183,8 +4040,8 @@
         </p:nvSpPr>
         <p:spPr>
           <a:xfrm>
-            <a:off x="4331832" y="2121694"/>
-            <a:ext cx="900112" cy="900112"/>
+            <a:off x="4121944" y="2127661"/>
+            <a:ext cx="900112" cy="888177"/>
           </a:xfrm>
           <a:prstGeom prst="ellipse">
             <a:avLst/>
@@ -4238,7 +4095,7 @@
         </p:nvSpPr>
         <p:spPr>
           <a:xfrm>
-            <a:off x="4331832" y="3440892"/>
+            <a:off x="4121944" y="3612342"/>
             <a:ext cx="900112" cy="900112"/>
           </a:xfrm>
           <a:prstGeom prst="ellipse">
@@ -4293,8 +4150,8 @@
         </p:nvSpPr>
         <p:spPr>
           <a:xfrm>
-            <a:off x="5317943" y="644272"/>
-            <a:ext cx="3220068" cy="551124"/>
+            <a:off x="5110773" y="489699"/>
+            <a:ext cx="3579637" cy="551124"/>
           </a:xfrm>
           <a:prstGeom prst="rect">
             <a:avLst/>
@@ -4331,7 +4188,9 @@
             <a:r>
               <a:rPr lang="en-US" sz="1400" strike="noStrike" spc="-1" dirty="0">
                 <a:solidFill>
-                  <a:schemeClr val="bg1"/>
+                  <a:schemeClr val="bg1">
+                    <a:lumMod val="85000"/>
+                  </a:schemeClr>
                 </a:solidFill>
                 <a:latin typeface="Arial" panose="020B0604020202020204" pitchFamily="34" charset="0"/>
                 <a:ea typeface="DejaVu Sans"/>
@@ -4342,7 +4201,9 @@
             <a:r>
               <a:rPr lang="ru-RU" sz="1400" strike="noStrike" spc="-1" dirty="0">
                 <a:solidFill>
-                  <a:schemeClr val="bg1"/>
+                  <a:schemeClr val="bg1">
+                    <a:lumMod val="85000"/>
+                  </a:schemeClr>
                 </a:solidFill>
                 <a:latin typeface="Arial" panose="020B0604020202020204" pitchFamily="34" charset="0"/>
                 <a:ea typeface="DejaVu Sans"/>
@@ -4352,7 +4213,9 @@
             </a:r>
             <a:endParaRPr lang="en-US" sz="1400" strike="noStrike" spc="-1" dirty="0">
               <a:solidFill>
-                <a:schemeClr val="bg1"/>
+                <a:schemeClr val="bg1">
+                  <a:lumMod val="85000"/>
+                </a:schemeClr>
               </a:solidFill>
               <a:latin typeface="Arial" panose="020B0604020202020204" pitchFamily="34" charset="0"/>
               <a:cs typeface="Arial" panose="020B0604020202020204" pitchFamily="34" charset="0"/>
@@ -4374,8 +4237,8 @@
         </p:nvSpPr>
         <p:spPr>
           <a:xfrm>
-            <a:off x="5317943" y="1179958"/>
-            <a:ext cx="3220068" cy="790086"/>
+            <a:off x="5110773" y="1025385"/>
+            <a:ext cx="3579637" cy="790086"/>
           </a:xfrm>
           <a:prstGeom prst="rect">
             <a:avLst/>
@@ -4455,8 +4318,8 @@
         </p:nvSpPr>
         <p:spPr>
           <a:xfrm>
-            <a:off x="5314332" y="1970044"/>
-            <a:ext cx="3220068" cy="551124"/>
+            <a:off x="5107162" y="1985286"/>
+            <a:ext cx="3579637" cy="551124"/>
           </a:xfrm>
           <a:prstGeom prst="rect">
             <a:avLst/>
@@ -4493,7 +4356,9 @@
             <a:r>
               <a:rPr lang="en-US" sz="1400" strike="noStrike" spc="-1" dirty="0">
                 <a:solidFill>
-                  <a:schemeClr val="bg1"/>
+                  <a:schemeClr val="bg1">
+                    <a:lumMod val="85000"/>
+                  </a:schemeClr>
                 </a:solidFill>
                 <a:latin typeface="Arial" panose="020B0604020202020204" pitchFamily="34" charset="0"/>
                 <a:ea typeface="DejaVu Sans"/>
@@ -4503,7 +4368,9 @@
             </a:r>
             <a:endParaRPr lang="en-US" sz="1400" strike="noStrike" spc="-1" dirty="0">
               <a:solidFill>
-                <a:schemeClr val="bg1"/>
+                <a:schemeClr val="bg1">
+                  <a:lumMod val="85000"/>
+                </a:schemeClr>
               </a:solidFill>
               <a:latin typeface="Arial" panose="020B0604020202020204" pitchFamily="34" charset="0"/>
               <a:cs typeface="Arial" panose="020B0604020202020204" pitchFamily="34" charset="0"/>
@@ -4525,8 +4392,8 @@
         </p:nvSpPr>
         <p:spPr>
           <a:xfrm>
-            <a:off x="5314332" y="2502715"/>
-            <a:ext cx="3220068" cy="843683"/>
+            <a:off x="5107162" y="2517957"/>
+            <a:ext cx="3579637" cy="843683"/>
           </a:xfrm>
           <a:prstGeom prst="rect">
             <a:avLst/>
@@ -4606,8 +4473,8 @@
         </p:nvSpPr>
         <p:spPr>
           <a:xfrm>
-            <a:off x="5314332" y="3297919"/>
-            <a:ext cx="3220068" cy="551124"/>
+            <a:off x="5107162" y="3470760"/>
+            <a:ext cx="3579637" cy="551124"/>
           </a:xfrm>
           <a:prstGeom prst="rect">
             <a:avLst/>
@@ -4644,7 +4511,9 @@
             <a:r>
               <a:rPr lang="en-US" sz="1400" strike="noStrike" spc="-1" dirty="0">
                 <a:solidFill>
-                  <a:schemeClr val="bg1"/>
+                  <a:schemeClr val="bg1">
+                    <a:lumMod val="85000"/>
+                  </a:schemeClr>
                 </a:solidFill>
                 <a:latin typeface="Arial" panose="020B0604020202020204" pitchFamily="34" charset="0"/>
                 <a:ea typeface="DejaVu Sans"/>
@@ -4654,7 +4523,9 @@
             </a:r>
             <a:endParaRPr lang="en-US" sz="1400" strike="noStrike" spc="-1" dirty="0">
               <a:solidFill>
-                <a:schemeClr val="bg1"/>
+                <a:schemeClr val="bg1">
+                  <a:lumMod val="85000"/>
+                </a:schemeClr>
               </a:solidFill>
               <a:latin typeface="Arial" panose="020B0604020202020204" pitchFamily="34" charset="0"/>
               <a:cs typeface="Arial" panose="020B0604020202020204" pitchFamily="34" charset="0"/>
@@ -4676,8 +4547,8 @@
         </p:nvSpPr>
         <p:spPr>
           <a:xfrm>
-            <a:off x="5314332" y="3830590"/>
-            <a:ext cx="3220068" cy="795204"/>
+            <a:off x="5107162" y="4003431"/>
+            <a:ext cx="3579637" cy="795204"/>
           </a:xfrm>
           <a:prstGeom prst="rect">
             <a:avLst/>
@@ -4734,6 +4605,57 @@
               <a:t>3</a:t>
             </a:r>
             <a:endParaRPr lang="en-US" sz="1100" b="0" strike="noStrike" spc="-1" dirty="0">
+              <a:solidFill>
+                <a:schemeClr val="bg1"/>
+              </a:solidFill>
+              <a:latin typeface="Arial" panose="020B0604020202020204" pitchFamily="34" charset="0"/>
+              <a:cs typeface="Arial" panose="020B0604020202020204" pitchFamily="34" charset="0"/>
+            </a:endParaRPr>
+          </a:p>
+        </p:txBody>
+      </p:sp>
+      <p:sp>
+        <p:nvSpPr>
+          <p:cNvPr id="14" name="TextBox 13">
+            <a:extLst>
+              <a:ext uri="{FF2B5EF4-FFF2-40B4-BE49-F238E27FC236}">
+                <a16:creationId xmlns:a16="http://schemas.microsoft.com/office/drawing/2014/main" id="{274A8B32-9D6B-484F-8879-DE4E765CC8E7}"/>
+              </a:ext>
+            </a:extLst>
+          </p:cNvPr>
+          <p:cNvSpPr txBox="1"/>
+          <p:nvPr/>
+        </p:nvSpPr>
+        <p:spPr>
+          <a:xfrm>
+            <a:off x="166127" y="200808"/>
+            <a:ext cx="3148573" cy="1842305"/>
+          </a:xfrm>
+          <a:prstGeom prst="rect">
+            <a:avLst/>
+          </a:prstGeom>
+          <a:noFill/>
+          <a:ln w="0">
+            <a:noFill/>
+          </a:ln>
+        </p:spPr>
+        <p:txBody>
+          <a:bodyPr lIns="90000" tIns="45000" rIns="90000" bIns="45000" anchor="t">
+            <a:noAutofit/>
+          </a:bodyPr>
+          <a:lstStyle/>
+          <a:p>
+            <a:r>
+              <a:rPr lang="en-US" sz="2200" strike="noStrike" spc="-1" dirty="0">
+                <a:solidFill>
+                  <a:schemeClr val="bg1"/>
+                </a:solidFill>
+                <a:latin typeface="Arial" panose="020B0604020202020204" pitchFamily="34" charset="0"/>
+                <a:cs typeface="Arial" panose="020B0604020202020204" pitchFamily="34" charset="0"/>
+              </a:rPr>
+              <a:t>TITLE</a:t>
+            </a:r>
+            <a:endParaRPr lang="ru-RU" sz="2200" strike="noStrike" spc="-1" dirty="0">
               <a:solidFill>
                 <a:schemeClr val="bg1"/>
               </a:solidFill>
@@ -4786,66 +4708,6 @@
       </p:grpSpPr>
       <p:sp>
         <p:nvSpPr>
-          <p:cNvPr id="21" name="TextBox 20">
-            <a:extLst>
-              <a:ext uri="{FF2B5EF4-FFF2-40B4-BE49-F238E27FC236}">
-                <a16:creationId xmlns:a16="http://schemas.microsoft.com/office/drawing/2014/main" id="{A9E08749-B336-405C-87F1-1309A67FA416}"/>
-              </a:ext>
-            </a:extLst>
-          </p:cNvPr>
-          <p:cNvSpPr txBox="1"/>
-          <p:nvPr/>
-        </p:nvSpPr>
-        <p:spPr>
-          <a:xfrm>
-            <a:off x="384926" y="2090575"/>
-            <a:ext cx="8466179" cy="481175"/>
-          </a:xfrm>
-          <a:prstGeom prst="rect">
-            <a:avLst/>
-          </a:prstGeom>
-          <a:noFill/>
-          <a:ln w="0">
-            <a:noFill/>
-          </a:ln>
-        </p:spPr>
-        <p:txBody>
-          <a:bodyPr lIns="90000" tIns="45000" rIns="90000" bIns="45000" anchor="t">
-            <a:noAutofit/>
-          </a:bodyPr>
-          <a:lstStyle/>
-          <a:p>
-            <a:r>
-              <a:rPr lang="en-US" sz="2200" strike="noStrike" spc="-1" dirty="0">
-                <a:solidFill>
-                  <a:schemeClr val="bg1"/>
-                </a:solidFill>
-                <a:latin typeface="Arial" panose="020B0604020202020204" pitchFamily="34" charset="0"/>
-                <a:cs typeface="Arial" panose="020B0604020202020204" pitchFamily="34" charset="0"/>
-              </a:rPr>
-              <a:t>TITLE</a:t>
-            </a:r>
-            <a:endParaRPr lang="ru-RU" sz="2200" strike="noStrike" spc="-1" dirty="0">
-              <a:solidFill>
-                <a:schemeClr val="bg1"/>
-              </a:solidFill>
-              <a:latin typeface="Arial" panose="020B0604020202020204" pitchFamily="34" charset="0"/>
-              <a:cs typeface="Arial" panose="020B0604020202020204" pitchFamily="34" charset="0"/>
-            </a:endParaRPr>
-          </a:p>
-          <a:p>
-            <a:endParaRPr lang="ru-RU" sz="2200" strike="noStrike" spc="-1" dirty="0">
-              <a:solidFill>
-                <a:schemeClr val="bg1"/>
-              </a:solidFill>
-              <a:latin typeface="Arial Black" panose="020B0A04020102020204" pitchFamily="34" charset="0"/>
-              <a:cs typeface="Arial" panose="020B0604020202020204" pitchFamily="34" charset="0"/>
-            </a:endParaRPr>
-          </a:p>
-        </p:txBody>
-      </p:sp>
-      <p:sp>
-        <p:nvSpPr>
           <p:cNvPr id="22" name="Прямоугольник со скругленными углами 3">
             <a:extLst>
               <a:ext uri="{FF2B5EF4-FFF2-40B4-BE49-F238E27FC236}">
@@ -5373,6 +5235,57 @@
               <a:t>3</a:t>
             </a:r>
             <a:endParaRPr lang="en-US" sz="1100" b="0" strike="noStrike" spc="-1" dirty="0">
+              <a:solidFill>
+                <a:schemeClr val="bg1"/>
+              </a:solidFill>
+              <a:latin typeface="Arial" panose="020B0604020202020204" pitchFamily="34" charset="0"/>
+              <a:cs typeface="Arial" panose="020B0604020202020204" pitchFamily="34" charset="0"/>
+            </a:endParaRPr>
+          </a:p>
+        </p:txBody>
+      </p:sp>
+      <p:sp>
+        <p:nvSpPr>
+          <p:cNvPr id="10" name="TextBox 9">
+            <a:extLst>
+              <a:ext uri="{FF2B5EF4-FFF2-40B4-BE49-F238E27FC236}">
+                <a16:creationId xmlns:a16="http://schemas.microsoft.com/office/drawing/2014/main" id="{02A8F858-9C18-4906-9472-ECA6C8947F80}"/>
+              </a:ext>
+            </a:extLst>
+          </p:cNvPr>
+          <p:cNvSpPr txBox="1"/>
+          <p:nvPr/>
+        </p:nvSpPr>
+        <p:spPr>
+          <a:xfrm>
+            <a:off x="384926" y="2177997"/>
+            <a:ext cx="8466179" cy="481175"/>
+          </a:xfrm>
+          <a:prstGeom prst="rect">
+            <a:avLst/>
+          </a:prstGeom>
+          <a:noFill/>
+          <a:ln w="0">
+            <a:noFill/>
+          </a:ln>
+        </p:spPr>
+        <p:txBody>
+          <a:bodyPr lIns="90000" tIns="45000" rIns="90000" bIns="45000" anchor="t">
+            <a:noAutofit/>
+          </a:bodyPr>
+          <a:lstStyle/>
+          <a:p>
+            <a:r>
+              <a:rPr lang="en-US" sz="2200" strike="noStrike" spc="-1" dirty="0">
+                <a:solidFill>
+                  <a:schemeClr val="bg1"/>
+                </a:solidFill>
+                <a:latin typeface="Arial" panose="020B0604020202020204" pitchFamily="34" charset="0"/>
+                <a:cs typeface="Arial" panose="020B0604020202020204" pitchFamily="34" charset="0"/>
+              </a:rPr>
+              <a:t>TITLE</a:t>
+            </a:r>
+            <a:endParaRPr lang="ru-RU" sz="2200" strike="noStrike" spc="-1" dirty="0">
               <a:solidFill>
                 <a:schemeClr val="bg1"/>
               </a:solidFill>
@@ -6099,7 +6012,7 @@
           <a:lstStyle/>
           <a:p>
             <a:r>
-              <a:rPr lang="en-US" sz="2800" b="1" strike="noStrike" spc="-1" dirty="0">
+              <a:rPr lang="en-US" sz="2200" strike="noStrike" spc="-1" dirty="0">
                 <a:solidFill>
                   <a:schemeClr val="bg1"/>
                 </a:solidFill>
@@ -6108,7 +6021,7 @@
               </a:rPr>
               <a:t>TITLE</a:t>
             </a:r>
-            <a:endParaRPr lang="ru-RU" sz="2800" b="1" strike="noStrike" spc="-1" dirty="0">
+            <a:endParaRPr lang="ru-RU" sz="2200" strike="noStrike" spc="-1" dirty="0">
               <a:solidFill>
                 <a:schemeClr val="bg1"/>
               </a:solidFill>
@@ -7174,66 +7087,6 @@
       </p:grpSpPr>
       <p:sp>
         <p:nvSpPr>
-          <p:cNvPr id="7" name="TextBox 6">
-            <a:extLst>
-              <a:ext uri="{FF2B5EF4-FFF2-40B4-BE49-F238E27FC236}">
-                <a16:creationId xmlns:a16="http://schemas.microsoft.com/office/drawing/2014/main" id="{8167D7AF-1912-4030-BF52-4A523E802088}"/>
-              </a:ext>
-            </a:extLst>
-          </p:cNvPr>
-          <p:cNvSpPr txBox="1"/>
-          <p:nvPr/>
-        </p:nvSpPr>
-        <p:spPr>
-          <a:xfrm>
-            <a:off x="3699627" y="240363"/>
-            <a:ext cx="5044320" cy="781212"/>
-          </a:xfrm>
-          <a:prstGeom prst="rect">
-            <a:avLst/>
-          </a:prstGeom>
-          <a:noFill/>
-          <a:ln w="0">
-            <a:noFill/>
-          </a:ln>
-        </p:spPr>
-        <p:txBody>
-          <a:bodyPr lIns="90000" tIns="45000" rIns="90000" bIns="45000" anchor="t">
-            <a:noAutofit/>
-          </a:bodyPr>
-          <a:lstStyle/>
-          <a:p>
-            <a:r>
-              <a:rPr lang="en-US" sz="2200" strike="noStrike" spc="-1" dirty="0">
-                <a:solidFill>
-                  <a:schemeClr val="bg1"/>
-                </a:solidFill>
-                <a:latin typeface="Arial" panose="020B0604020202020204" pitchFamily="34" charset="0"/>
-                <a:cs typeface="Arial" panose="020B0604020202020204" pitchFamily="34" charset="0"/>
-              </a:rPr>
-              <a:t>TITLE</a:t>
-            </a:r>
-            <a:endParaRPr lang="ru-RU" sz="2200" strike="noStrike" spc="-1" dirty="0">
-              <a:solidFill>
-                <a:schemeClr val="bg1"/>
-              </a:solidFill>
-              <a:latin typeface="Arial" panose="020B0604020202020204" pitchFamily="34" charset="0"/>
-              <a:cs typeface="Arial" panose="020B0604020202020204" pitchFamily="34" charset="0"/>
-            </a:endParaRPr>
-          </a:p>
-          <a:p>
-            <a:endParaRPr lang="ru-RU" sz="2200" strike="noStrike" spc="-1" dirty="0">
-              <a:solidFill>
-                <a:schemeClr val="bg1"/>
-              </a:solidFill>
-              <a:latin typeface="Arial Black" panose="020B0A04020102020204" pitchFamily="34" charset="0"/>
-              <a:cs typeface="Arial" panose="020B0604020202020204" pitchFamily="34" charset="0"/>
-            </a:endParaRPr>
-          </a:p>
-        </p:txBody>
-      </p:sp>
-      <p:sp>
-        <p:nvSpPr>
           <p:cNvPr id="11" name="Прямоугольник со скругленными углами 3">
             <a:extLst>
               <a:ext uri="{FF2B5EF4-FFF2-40B4-BE49-F238E27FC236}">
@@ -7958,6 +7811,57 @@
               <a:rPr lang="ru-RU" sz="800" dirty="0"/>
               <a:t>01</a:t>
             </a:r>
+          </a:p>
+        </p:txBody>
+      </p:sp>
+      <p:sp>
+        <p:nvSpPr>
+          <p:cNvPr id="18" name="TextBox 17">
+            <a:extLst>
+              <a:ext uri="{FF2B5EF4-FFF2-40B4-BE49-F238E27FC236}">
+                <a16:creationId xmlns:a16="http://schemas.microsoft.com/office/drawing/2014/main" id="{5EAFDF03-FCF6-45BA-9811-3D5D5370D0EE}"/>
+              </a:ext>
+            </a:extLst>
+          </p:cNvPr>
+          <p:cNvSpPr txBox="1"/>
+          <p:nvPr/>
+        </p:nvSpPr>
+        <p:spPr>
+          <a:xfrm>
+            <a:off x="3607594" y="215149"/>
+            <a:ext cx="5375671" cy="910078"/>
+          </a:xfrm>
+          <a:prstGeom prst="rect">
+            <a:avLst/>
+          </a:prstGeom>
+          <a:noFill/>
+          <a:ln w="0">
+            <a:noFill/>
+          </a:ln>
+        </p:spPr>
+        <p:txBody>
+          <a:bodyPr lIns="90000" tIns="45000" rIns="90000" bIns="45000" anchor="t">
+            <a:noAutofit/>
+          </a:bodyPr>
+          <a:lstStyle/>
+          <a:p>
+            <a:r>
+              <a:rPr lang="en-US" sz="2200" strike="noStrike" spc="-1" dirty="0">
+                <a:solidFill>
+                  <a:schemeClr val="bg1"/>
+                </a:solidFill>
+                <a:latin typeface="Arial" panose="020B0604020202020204" pitchFamily="34" charset="0"/>
+                <a:cs typeface="Arial" panose="020B0604020202020204" pitchFamily="34" charset="0"/>
+              </a:rPr>
+              <a:t>TITLE</a:t>
+            </a:r>
+            <a:endParaRPr lang="ru-RU" sz="2200" strike="noStrike" spc="-1" dirty="0">
+              <a:solidFill>
+                <a:schemeClr val="bg1"/>
+              </a:solidFill>
+              <a:latin typeface="Arial" panose="020B0604020202020204" pitchFamily="34" charset="0"/>
+              <a:cs typeface="Arial" panose="020B0604020202020204" pitchFamily="34" charset="0"/>
+            </a:endParaRPr>
           </a:p>
         </p:txBody>
       </p:sp>
@@ -7980,10 +7884,7 @@
     <p:bg>
       <p:bgPr>
         <a:solidFill>
-          <a:schemeClr val="tx1">
-            <a:lumMod val="95000"/>
-            <a:lumOff val="5000"/>
-          </a:schemeClr>
+          <a:schemeClr val="tx1"/>
         </a:solidFill>
         <a:effectLst/>
       </p:bgPr>
@@ -8025,7 +7926,7 @@
           <a:noFill/>
           <a:ln>
             <a:solidFill>
-              <a:srgbClr val="D4DC9C"/>
+              <a:srgbClr val="C0CC86"/>
             </a:solidFill>
           </a:ln>
         </p:spPr>
@@ -8077,7 +7978,7 @@
           <a:noFill/>
           <a:ln>
             <a:solidFill>
-              <a:srgbClr val="D4DC9C"/>
+              <a:srgbClr val="C0CC86"/>
             </a:solidFill>
           </a:ln>
         </p:spPr>
@@ -8129,7 +8030,7 @@
           <a:noFill/>
           <a:ln>
             <a:solidFill>
-              <a:srgbClr val="D4DC9C"/>
+              <a:srgbClr val="C0CC86"/>
             </a:solidFill>
           </a:ln>
         </p:spPr>
@@ -8263,7 +8164,7 @@
           </a:prstGeom>
           <a:ln>
             <a:solidFill>
-              <a:srgbClr val="D4DC9C"/>
+              <a:srgbClr val="C0CC86"/>
             </a:solidFill>
           </a:ln>
         </p:spPr>
@@ -8303,7 +8204,7 @@
             <a:avLst/>
           </a:prstGeom>
           <a:solidFill>
-            <a:srgbClr val="D4DC9C"/>
+            <a:srgbClr val="C0CC86"/>
           </a:solidFill>
           <a:ln>
             <a:noFill/>
@@ -8385,6 +8286,11 @@
             </a:pPr>
             <a:r>
               <a:rPr lang="en-US" sz="1400" b="0" strike="noStrike" spc="-1" dirty="0">
+                <a:solidFill>
+                  <a:schemeClr val="bg1">
+                    <a:lumMod val="85000"/>
+                  </a:schemeClr>
+                </a:solidFill>
                 <a:latin typeface="Arial" panose="020B0604020202020204" pitchFamily="34" charset="0"/>
                 <a:ea typeface="DejaVu Sans"/>
                 <a:cs typeface="Arial" panose="020B0604020202020204" pitchFamily="34" charset="0"/>
@@ -8393,6 +8299,11 @@
             </a:r>
             <a:r>
               <a:rPr lang="ru-RU" sz="1400" b="0" strike="noStrike" spc="-1" dirty="0">
+                <a:solidFill>
+                  <a:schemeClr val="bg1">
+                    <a:lumMod val="85000"/>
+                  </a:schemeClr>
+                </a:solidFill>
                 <a:latin typeface="Arial" panose="020B0604020202020204" pitchFamily="34" charset="0"/>
                 <a:ea typeface="DejaVu Sans"/>
                 <a:cs typeface="Arial" panose="020B0604020202020204" pitchFamily="34" charset="0"/>
@@ -8400,6 +8311,11 @@
               <a:t>1</a:t>
             </a:r>
             <a:endParaRPr lang="en-US" sz="1400" b="0" strike="noStrike" spc="-1" dirty="0">
+              <a:solidFill>
+                <a:schemeClr val="bg1">
+                  <a:lumMod val="85000"/>
+                </a:schemeClr>
+              </a:solidFill>
               <a:latin typeface="Arial" panose="020B0604020202020204" pitchFamily="34" charset="0"/>
               <a:cs typeface="Arial" panose="020B0604020202020204" pitchFamily="34" charset="0"/>
             </a:endParaRPr>
@@ -8508,7 +8424,7 @@
             <a:avLst/>
           </a:prstGeom>
           <a:solidFill>
-            <a:srgbClr val="D4DC9C"/>
+            <a:srgbClr val="C0CC86"/>
           </a:solidFill>
           <a:ln>
             <a:noFill/>
@@ -8535,7 +8451,11 @@
           <a:lstStyle/>
           <a:p>
             <a:pPr algn="ctr"/>
-            <a:endParaRPr lang="ru-RU"/>
+            <a:endParaRPr lang="ru-RU">
+              <a:solidFill>
+                <a:schemeClr val="bg1"/>
+              </a:solidFill>
+            </a:endParaRPr>
           </a:p>
         </p:txBody>
       </p:sp>
@@ -8590,6 +8510,11 @@
             </a:pPr>
             <a:r>
               <a:rPr lang="en-US" sz="1400" b="0" strike="noStrike" spc="-1" dirty="0">
+                <a:solidFill>
+                  <a:schemeClr val="bg1">
+                    <a:lumMod val="85000"/>
+                  </a:schemeClr>
+                </a:solidFill>
                 <a:latin typeface="Arial" panose="020B0604020202020204" pitchFamily="34" charset="0"/>
                 <a:ea typeface="DejaVu Sans"/>
                 <a:cs typeface="Arial" panose="020B0604020202020204" pitchFamily="34" charset="0"/>
@@ -8598,6 +8523,11 @@
             </a:r>
             <a:r>
               <a:rPr lang="ru-RU" sz="1400" spc="-1" dirty="0">
+                <a:solidFill>
+                  <a:schemeClr val="bg1">
+                    <a:lumMod val="85000"/>
+                  </a:schemeClr>
+                </a:solidFill>
                 <a:latin typeface="Arial" panose="020B0604020202020204" pitchFamily="34" charset="0"/>
                 <a:ea typeface="DejaVu Sans"/>
                 <a:cs typeface="Arial" panose="020B0604020202020204" pitchFamily="34" charset="0"/>
@@ -8605,6 +8535,11 @@
               <a:t>2</a:t>
             </a:r>
             <a:endParaRPr lang="en-US" sz="1400" b="0" strike="noStrike" spc="-1" dirty="0">
+              <a:solidFill>
+                <a:schemeClr val="bg1">
+                  <a:lumMod val="85000"/>
+                </a:schemeClr>
+              </a:solidFill>
               <a:latin typeface="Arial" panose="020B0604020202020204" pitchFamily="34" charset="0"/>
               <a:cs typeface="Arial" panose="020B0604020202020204" pitchFamily="34" charset="0"/>
             </a:endParaRPr>
@@ -8713,7 +8648,7 @@
             <a:avLst/>
           </a:prstGeom>
           <a:solidFill>
-            <a:srgbClr val="D4DC9C"/>
+            <a:srgbClr val="C0CC86"/>
           </a:solidFill>
           <a:ln>
             <a:noFill/>
@@ -8740,7 +8675,11 @@
           <a:lstStyle/>
           <a:p>
             <a:pPr algn="ctr"/>
-            <a:endParaRPr lang="ru-RU"/>
+            <a:endParaRPr lang="ru-RU">
+              <a:solidFill>
+                <a:schemeClr val="bg1"/>
+              </a:solidFill>
+            </a:endParaRPr>
           </a:p>
         </p:txBody>
       </p:sp>
@@ -8795,6 +8734,11 @@
             </a:pPr>
             <a:r>
               <a:rPr lang="en-US" sz="1400" b="0" strike="noStrike" spc="-1" dirty="0">
+                <a:solidFill>
+                  <a:schemeClr val="bg1">
+                    <a:lumMod val="85000"/>
+                  </a:schemeClr>
+                </a:solidFill>
                 <a:latin typeface="Arial" panose="020B0604020202020204" pitchFamily="34" charset="0"/>
                 <a:ea typeface="DejaVu Sans"/>
                 <a:cs typeface="Arial" panose="020B0604020202020204" pitchFamily="34" charset="0"/>
@@ -8803,6 +8747,11 @@
             </a:r>
             <a:r>
               <a:rPr lang="ru-RU" sz="1400" spc="-1" dirty="0">
+                <a:solidFill>
+                  <a:schemeClr val="bg1">
+                    <a:lumMod val="85000"/>
+                  </a:schemeClr>
+                </a:solidFill>
                 <a:latin typeface="Arial" panose="020B0604020202020204" pitchFamily="34" charset="0"/>
                 <a:ea typeface="DejaVu Sans"/>
                 <a:cs typeface="Arial" panose="020B0604020202020204" pitchFamily="34" charset="0"/>
@@ -8810,6 +8759,11 @@
               <a:t>3</a:t>
             </a:r>
             <a:endParaRPr lang="en-US" sz="1400" b="0" strike="noStrike" spc="-1" dirty="0">
+              <a:solidFill>
+                <a:schemeClr val="bg1">
+                  <a:lumMod val="85000"/>
+                </a:schemeClr>
+              </a:solidFill>
               <a:latin typeface="Arial" panose="020B0604020202020204" pitchFamily="34" charset="0"/>
               <a:cs typeface="Arial" panose="020B0604020202020204" pitchFamily="34" charset="0"/>
             </a:endParaRPr>
@@ -8844,7 +8798,7 @@
           </a:solidFill>
           <a:ln>
             <a:solidFill>
-              <a:srgbClr val="D4DC9C"/>
+              <a:srgbClr val="C0CC86"/>
             </a:solidFill>
           </a:ln>
         </p:spPr>
@@ -8901,7 +8855,7 @@
           </a:solidFill>
           <a:ln>
             <a:solidFill>
-              <a:srgbClr val="D4DC9C"/>
+              <a:srgbClr val="C0CC86"/>
             </a:solidFill>
           </a:ln>
         </p:spPr>
@@ -8958,7 +8912,7 @@
           </a:solidFill>
           <a:ln>
             <a:solidFill>
-              <a:srgbClr val="D4DC9C"/>
+              <a:srgbClr val="C0CC86"/>
             </a:solidFill>
           </a:ln>
         </p:spPr>
@@ -8989,10 +8943,10 @@
       </p:sp>
       <p:sp>
         <p:nvSpPr>
-          <p:cNvPr id="19" name="TextBox 18">
+          <p:cNvPr id="21" name="TextBox 20">
             <a:extLst>
               <a:ext uri="{FF2B5EF4-FFF2-40B4-BE49-F238E27FC236}">
-                <a16:creationId xmlns:a16="http://schemas.microsoft.com/office/drawing/2014/main" id="{5614264F-E851-4CC3-A1BE-17271FB8C6FA}"/>
+                <a16:creationId xmlns:a16="http://schemas.microsoft.com/office/drawing/2014/main" id="{41416765-40B2-4B43-B90D-DD471CA903D1}"/>
               </a:ext>
             </a:extLst>
           </p:cNvPr>
@@ -9001,7 +8955,7 @@
         </p:nvSpPr>
         <p:spPr>
           <a:xfrm>
-            <a:off x="384926" y="268917"/>
+            <a:off x="381774" y="270906"/>
             <a:ext cx="8466179" cy="481175"/>
           </a:xfrm>
           <a:prstGeom prst="rect">
@@ -9036,21 +8990,12 @@
               <a:cs typeface="Arial" panose="020B0604020202020204" pitchFamily="34" charset="0"/>
             </a:endParaRPr>
           </a:p>
-          <a:p>
-            <a:endParaRPr lang="ru-RU" sz="2200" strike="noStrike" spc="-1" dirty="0">
-              <a:solidFill>
-                <a:schemeClr val="bg1"/>
-              </a:solidFill>
-              <a:latin typeface="Arial Black" panose="020B0A04020102020204" pitchFamily="34" charset="0"/>
-              <a:cs typeface="Arial" panose="020B0604020202020204" pitchFamily="34" charset="0"/>
-            </a:endParaRPr>
-          </a:p>
         </p:txBody>
       </p:sp>
     </p:spTree>
     <p:extLst>
       <p:ext uri="{BB962C8B-B14F-4D97-AF65-F5344CB8AC3E}">
-        <p14:creationId xmlns:p14="http://schemas.microsoft.com/office/powerpoint/2010/main" val="3734586568"/>
+        <p14:creationId xmlns:p14="http://schemas.microsoft.com/office/powerpoint/2010/main" val="4253486016"/>
       </p:ext>
     </p:extLst>
   </p:cSld>
